--- a/src/poster.pptx
+++ b/src/poster.pptx
@@ -1200,6 +1200,146 @@
                 <a:latin typeface="+mj-lt"/>
               </a:rPr>
             </a:br>
+            <a:br>
+              <a:rPr lang="nl-NL" sz="4000" i="0" dirty="0">
+                <a:solidFill>
+                  <a:schemeClr val="accent3"/>
+                </a:solidFill>
+                <a:effectLst/>
+                <a:latin typeface="+mj-lt"/>
+              </a:rPr>
+            </a:br>
+            <a:r>
+              <a:rPr lang="nl-NL" sz="4000" i="0" dirty="0">
+                <a:solidFill>
+                  <a:schemeClr val="accent3"/>
+                </a:solidFill>
+                <a:effectLst/>
+                <a:latin typeface="+mj-lt"/>
+              </a:rPr>
+              <a:t>18 </a:t>
+            </a:r>
+            <a:r>
+              <a:rPr lang="nl-NL" sz="4000" i="0" dirty="0" err="1">
+                <a:solidFill>
+                  <a:schemeClr val="accent3"/>
+                </a:solidFill>
+                <a:effectLst/>
+                <a:latin typeface="+mj-lt"/>
+              </a:rPr>
+              <a:t>ledstrips</a:t>
+            </a:r>
+            <a:r>
+              <a:rPr lang="nl-NL" sz="4000" i="0" dirty="0">
+                <a:solidFill>
+                  <a:schemeClr val="accent3"/>
+                </a:solidFill>
+                <a:effectLst/>
+                <a:latin typeface="+mj-lt"/>
+              </a:rPr>
+              <a:t> zorgen voor een ‘</a:t>
+            </a:r>
+            <a:r>
+              <a:rPr lang="nl-NL" sz="4000" i="0" dirty="0" err="1">
+                <a:solidFill>
+                  <a:schemeClr val="accent3"/>
+                </a:solidFill>
+                <a:effectLst/>
+                <a:latin typeface="+mj-lt"/>
+              </a:rPr>
+              <a:t>raining</a:t>
+            </a:r>
+            <a:r>
+              <a:rPr lang="nl-NL" sz="4000" i="0" dirty="0">
+                <a:solidFill>
+                  <a:schemeClr val="accent3"/>
+                </a:solidFill>
+                <a:effectLst/>
+                <a:latin typeface="+mj-lt"/>
+              </a:rPr>
+              <a:t> </a:t>
+            </a:r>
+            <a:r>
+              <a:rPr lang="nl-NL" sz="4000" i="0" dirty="0" err="1">
+                <a:solidFill>
+                  <a:schemeClr val="accent3"/>
+                </a:solidFill>
+                <a:effectLst/>
+                <a:latin typeface="+mj-lt"/>
+              </a:rPr>
+              <a:t>LEDs</a:t>
+            </a:r>
+            <a:r>
+              <a:rPr lang="nl-NL" sz="4000" i="0" dirty="0">
+                <a:solidFill>
+                  <a:schemeClr val="accent3"/>
+                </a:solidFill>
+                <a:effectLst/>
+                <a:latin typeface="+mj-lt"/>
+              </a:rPr>
+              <a:t>’</a:t>
+            </a:r>
+            <a:r>
+              <a:rPr lang="nl-NL" sz="4000" dirty="0">
+                <a:solidFill>
+                  <a:schemeClr val="accent3"/>
+                </a:solidFill>
+                <a:latin typeface="+mj-lt"/>
+              </a:rPr>
+              <a:t> effect, door het gebruik van 3 houten wanden en aangebrachte spiegels wordt deze oneindige illusie extra versterkt.</a:t>
+            </a:r>
+            <a:br>
+              <a:rPr lang="nl-NL" sz="4000" dirty="0">
+                <a:solidFill>
+                  <a:schemeClr val="accent3"/>
+                </a:solidFill>
+                <a:latin typeface="+mj-lt"/>
+              </a:rPr>
+            </a:br>
+            <a:br>
+              <a:rPr lang="nl-NL" sz="4000" dirty="0">
+                <a:solidFill>
+                  <a:schemeClr val="accent3"/>
+                </a:solidFill>
+                <a:latin typeface="+mj-lt"/>
+              </a:rPr>
+            </a:br>
+            <a:r>
+              <a:rPr lang="nl-NL" sz="4000" dirty="0">
+                <a:solidFill>
+                  <a:schemeClr val="accent3"/>
+                </a:solidFill>
+                <a:latin typeface="+mj-lt"/>
+              </a:rPr>
+              <a:t>Voor de aansturing van de </a:t>
+            </a:r>
+            <a:r>
+              <a:rPr lang="nl-NL" sz="4000" dirty="0" err="1">
+                <a:solidFill>
+                  <a:schemeClr val="accent3"/>
+                </a:solidFill>
+                <a:latin typeface="+mj-lt"/>
+              </a:rPr>
+              <a:t>LEDs</a:t>
+            </a:r>
+            <a:r>
+              <a:rPr lang="nl-NL" sz="4000" dirty="0">
+                <a:solidFill>
+                  <a:schemeClr val="accent3"/>
+                </a:solidFill>
+                <a:latin typeface="+mj-lt"/>
+              </a:rPr>
+              <a:t> werd een ISP32 gebruikt en ook geprogrammeerd.</a:t>
+            </a:r>
+            <a:br>
+              <a:rPr lang="nl-NL" sz="4000" i="0" dirty="0">
+                <a:solidFill>
+                  <a:schemeClr val="accent3"/>
+                </a:solidFill>
+                <a:effectLst/>
+                <a:latin typeface="+mj-lt"/>
+              </a:rPr>
+            </a:br>
             <a:endParaRPr lang="nl-BE" sz="4000" dirty="0">
               <a:solidFill>
                 <a:schemeClr val="accent3"/>
@@ -1631,7 +1771,7 @@
       </p:sp>
       <p:sp>
         <p:nvSpPr>
-          <p:cNvPr id="45" name="Rechthoek 44" descr="Camera met effen opvulling">
+          <p:cNvPr id="45" name="Rechthoek 44">
             <a:extLst>
               <a:ext uri="{FF2B5EF4-FFF2-40B4-BE49-F238E27FC236}">
                 <a16:creationId xmlns:a16="http://schemas.microsoft.com/office/drawing/2014/main" id="{2424B285-4B6A-6E92-C353-E107E7300EF0}"/>
@@ -1649,15 +1789,63 @@
           <a:prstGeom prst="rect">
             <a:avLst/>
           </a:prstGeom>
-          <a:blipFill dpi="0" rotWithShape="1">
-            <a:blip r:embed="rId2">
-              <a:extLst>
-                <a:ext uri="{28A0092B-C50C-407E-A947-70E740481C1C}">
-                  <a14:useLocalDpi xmlns:a14="http://schemas.microsoft.com/office/drawing/2010/main" val="0"/>
-                </a:ext>
-              </a:extLst>
-            </a:blip>
-            <a:srcRect/>
+          <a:blipFill>
+            <a:blip r:embed="rId2"/>
+            <a:stretch>
+              <a:fillRect l="-2424" r="-14191"/>
+            </a:stretch>
+          </a:blipFill>
+          <a:ln>
+            <a:noFill/>
+          </a:ln>
+        </p:spPr>
+        <p:style>
+          <a:lnRef idx="2">
+            <a:schemeClr val="accent1">
+              <a:shade val="15000"/>
+            </a:schemeClr>
+          </a:lnRef>
+          <a:fillRef idx="1">
+            <a:schemeClr val="accent1"/>
+          </a:fillRef>
+          <a:effectRef idx="0">
+            <a:schemeClr val="accent1"/>
+          </a:effectRef>
+          <a:fontRef idx="minor">
+            <a:schemeClr val="lt1"/>
+          </a:fontRef>
+        </p:style>
+        <p:txBody>
+          <a:bodyPr rtlCol="0" anchor="ctr"/>
+          <a:lstStyle/>
+          <a:p>
+            <a:pPr algn="ctr"/>
+            <a:endParaRPr lang="nl-BE"/>
+          </a:p>
+        </p:txBody>
+      </p:sp>
+      <p:sp>
+        <p:nvSpPr>
+          <p:cNvPr id="46" name="Rechthoek 45">
+            <a:extLst>
+              <a:ext uri="{FF2B5EF4-FFF2-40B4-BE49-F238E27FC236}">
+                <a16:creationId xmlns:a16="http://schemas.microsoft.com/office/drawing/2014/main" id="{9217C33B-78C0-FF0A-A77C-7B104616D3E9}"/>
+              </a:ext>
+            </a:extLst>
+          </p:cNvPr>
+          <p:cNvSpPr/>
+          <p:nvPr/>
+        </p:nvSpPr>
+        <p:spPr>
+          <a:xfrm>
+            <a:off x="22762382" y="26469473"/>
+            <a:ext cx="6729830" cy="10825299"/>
+          </a:xfrm>
+          <a:prstGeom prst="rect">
+            <a:avLst/>
+          </a:prstGeom>
+          <a:blipFill>
+            <a:blip r:embed="rId3"/>
             <a:stretch>
               <a:fillRect/>
             </a:stretch>
@@ -1693,68 +1881,6 @@
       </p:sp>
       <p:sp>
         <p:nvSpPr>
-          <p:cNvPr id="46" name="Rechthoek 45" descr="Camera met effen opvulling">
-            <a:extLst>
-              <a:ext uri="{FF2B5EF4-FFF2-40B4-BE49-F238E27FC236}">
-                <a16:creationId xmlns:a16="http://schemas.microsoft.com/office/drawing/2014/main" id="{9217C33B-78C0-FF0A-A77C-7B104616D3E9}"/>
-              </a:ext>
-            </a:extLst>
-          </p:cNvPr>
-          <p:cNvSpPr/>
-          <p:nvPr/>
-        </p:nvSpPr>
-        <p:spPr>
-          <a:xfrm>
-            <a:off x="22762382" y="26469473"/>
-            <a:ext cx="6729830" cy="10825299"/>
-          </a:xfrm>
-          <a:prstGeom prst="rect">
-            <a:avLst/>
-          </a:prstGeom>
-          <a:blipFill dpi="0" rotWithShape="1">
-            <a:blip r:embed="rId3">
-              <a:extLst>
-                <a:ext uri="{28A0092B-C50C-407E-A947-70E740481C1C}">
-                  <a14:useLocalDpi xmlns:a14="http://schemas.microsoft.com/office/drawing/2010/main" val="0"/>
-                </a:ext>
-              </a:extLst>
-            </a:blip>
-            <a:srcRect/>
-            <a:stretch>
-              <a:fillRect/>
-            </a:stretch>
-          </a:blipFill>
-          <a:ln>
-            <a:noFill/>
-          </a:ln>
-        </p:spPr>
-        <p:style>
-          <a:lnRef idx="2">
-            <a:schemeClr val="accent1">
-              <a:shade val="15000"/>
-            </a:schemeClr>
-          </a:lnRef>
-          <a:fillRef idx="1">
-            <a:schemeClr val="accent1"/>
-          </a:fillRef>
-          <a:effectRef idx="0">
-            <a:schemeClr val="accent1"/>
-          </a:effectRef>
-          <a:fontRef idx="minor">
-            <a:schemeClr val="lt1"/>
-          </a:fontRef>
-        </p:style>
-        <p:txBody>
-          <a:bodyPr rtlCol="0" anchor="ctr"/>
-          <a:lstStyle/>
-          <a:p>
-            <a:pPr algn="ctr"/>
-            <a:endParaRPr lang="nl-BE"/>
-          </a:p>
-        </p:txBody>
-      </p:sp>
-      <p:sp>
-        <p:nvSpPr>
           <p:cNvPr id="51" name="Vrije vorm: vorm 50">
             <a:extLst>
               <a:ext uri="{FF2B5EF4-FFF2-40B4-BE49-F238E27FC236}">
@@ -1767,8 +1893,8 @@
         </p:nvSpPr>
         <p:spPr>
           <a:xfrm>
-            <a:off x="15408274" y="6930189"/>
-            <a:ext cx="14083937" cy="18954509"/>
+            <a:off x="15408275" y="7195048"/>
+            <a:ext cx="14299861" cy="18720000"/>
           </a:xfrm>
           <a:custGeom>
             <a:avLst/>
@@ -1866,17 +1992,10 @@
               </a:path>
             </a:pathLst>
           </a:custGeom>
-          <a:blipFill dpi="0" rotWithShape="1">
-            <a:blip r:embed="rId4">
-              <a:extLst>
-                <a:ext uri="{28A0092B-C50C-407E-A947-70E740481C1C}">
-                  <a14:useLocalDpi xmlns:a14="http://schemas.microsoft.com/office/drawing/2010/main" val="0"/>
-                </a:ext>
-              </a:extLst>
-            </a:blip>
-            <a:srcRect/>
+          <a:blipFill>
+            <a:blip r:embed="rId4"/>
             <a:stretch>
-              <a:fillRect/>
+              <a:fillRect l="-79904" t="96" r="-32574" b="96"/>
             </a:stretch>
           </a:blipFill>
           <a:ln>
@@ -2210,7 +2329,7 @@
         </p:blipFill>
         <p:spPr>
           <a:xfrm>
-            <a:off x="25557833" y="37879547"/>
+            <a:off x="25197022" y="37545927"/>
             <a:ext cx="4295190" cy="4295190"/>
           </a:xfrm>
           <a:prstGeom prst="rect">
@@ -2728,14 +2847,12 @@
 </file>
 
 <file path=customXml/item1.xml><?xml version="1.0" encoding="utf-8"?>
-<p:properties xmlns:p="http://schemas.microsoft.com/office/2006/metadata/properties" xmlns:xsi="http://www.w3.org/2001/XMLSchema-instance" xmlns:pc="http://schemas.microsoft.com/office/infopath/2007/PartnerControls">
-  <documentManagement>
-    <TaxCatchAll xmlns="f921bb7d-4033-42bd-968a-881fd459c073" xsi:nil="true"/>
-    <lcf76f155ced4ddcb4097134ff3c332f xmlns="7af3f08f-6b65-4c98-b033-853692dc00be">
-      <Terms xmlns="http://schemas.microsoft.com/office/infopath/2007/PartnerControls"/>
-    </lcf76f155ced4ddcb4097134ff3c332f>
-  </documentManagement>
-</p:properties>
+<?mso-contentType ?>
+<FormTemplates xmlns="http://schemas.microsoft.com/sharepoint/v3/contenttype/forms">
+  <Display>DocumentLibraryForm</Display>
+  <Edit>DocumentLibraryForm</Edit>
+  <New>DocumentLibraryForm</New>
+</FormTemplates>
 </file>
 
 <file path=customXml/item2.xml><?xml version="1.0" encoding="utf-8"?>
@@ -2946,27 +3063,20 @@
 </file>
 
 <file path=customXml/item3.xml><?xml version="1.0" encoding="utf-8"?>
-<?mso-contentType ?>
-<FormTemplates xmlns="http://schemas.microsoft.com/sharepoint/v3/contenttype/forms">
-  <Display>DocumentLibraryForm</Display>
-  <Edit>DocumentLibraryForm</Edit>
-  <New>DocumentLibraryForm</New>
-</FormTemplates>
+<p:properties xmlns:p="http://schemas.microsoft.com/office/2006/metadata/properties" xmlns:xsi="http://www.w3.org/2001/XMLSchema-instance" xmlns:pc="http://schemas.microsoft.com/office/infopath/2007/PartnerControls">
+  <documentManagement>
+    <TaxCatchAll xmlns="f921bb7d-4033-42bd-968a-881fd459c073" xsi:nil="true"/>
+    <lcf76f155ced4ddcb4097134ff3c332f xmlns="7af3f08f-6b65-4c98-b033-853692dc00be">
+      <Terms xmlns="http://schemas.microsoft.com/office/infopath/2007/PartnerControls"/>
+    </lcf76f155ced4ddcb4097134ff3c332f>
+  </documentManagement>
+</p:properties>
 </file>
 
 <file path=customXml/itemProps1.xml><?xml version="1.0" encoding="utf-8"?>
-<ds:datastoreItem xmlns:ds="http://schemas.openxmlformats.org/officeDocument/2006/customXml" ds:itemID="{B247EB90-66CA-4409-98FF-5024AA619E64}">
+<ds:datastoreItem xmlns:ds="http://schemas.openxmlformats.org/officeDocument/2006/customXml" ds:itemID="{E1FA04DA-A2C1-4A00-9FA4-1F6991DECE56}">
   <ds:schemaRefs>
-    <ds:schemaRef ds:uri="7af3f08f-6b65-4c98-b033-853692dc00be"/>
-    <ds:schemaRef ds:uri="f921bb7d-4033-42bd-968a-881fd459c073"/>
-    <ds:schemaRef ds:uri="http://purl.org/dc/dcmitype/"/>
-    <ds:schemaRef ds:uri="http://purl.org/dc/elements/1.1/"/>
-    <ds:schemaRef ds:uri="http://purl.org/dc/terms/"/>
-    <ds:schemaRef ds:uri="http://schemas.microsoft.com/office/2006/documentManagement/types"/>
-    <ds:schemaRef ds:uri="http://schemas.microsoft.com/office/2006/metadata/properties"/>
-    <ds:schemaRef ds:uri="http://schemas.microsoft.com/office/infopath/2007/PartnerControls"/>
-    <ds:schemaRef ds:uri="http://schemas.openxmlformats.org/package/2006/metadata/core-properties"/>
-    <ds:schemaRef ds:uri="http://www.w3.org/XML/1998/namespace"/>
+    <ds:schemaRef ds:uri="http://schemas.microsoft.com/sharepoint/v3/contenttype/forms"/>
   </ds:schemaRefs>
 </ds:datastoreItem>
 </file>
@@ -2991,9 +3101,18 @@
 </file>
 
 <file path=customXml/itemProps3.xml><?xml version="1.0" encoding="utf-8"?>
-<ds:datastoreItem xmlns:ds="http://schemas.openxmlformats.org/officeDocument/2006/customXml" ds:itemID="{E1FA04DA-A2C1-4A00-9FA4-1F6991DECE56}">
+<ds:datastoreItem xmlns:ds="http://schemas.openxmlformats.org/officeDocument/2006/customXml" ds:itemID="{B247EB90-66CA-4409-98FF-5024AA619E64}">
   <ds:schemaRefs>
-    <ds:schemaRef ds:uri="http://schemas.microsoft.com/sharepoint/v3/contenttype/forms"/>
+    <ds:schemaRef ds:uri="7af3f08f-6b65-4c98-b033-853692dc00be"/>
+    <ds:schemaRef ds:uri="f921bb7d-4033-42bd-968a-881fd459c073"/>
+    <ds:schemaRef ds:uri="http://purl.org/dc/dcmitype/"/>
+    <ds:schemaRef ds:uri="http://purl.org/dc/elements/1.1/"/>
+    <ds:schemaRef ds:uri="http://purl.org/dc/terms/"/>
+    <ds:schemaRef ds:uri="http://schemas.microsoft.com/office/2006/documentManagement/types"/>
+    <ds:schemaRef ds:uri="http://schemas.microsoft.com/office/2006/metadata/properties"/>
+    <ds:schemaRef ds:uri="http://schemas.microsoft.com/office/infopath/2007/PartnerControls"/>
+    <ds:schemaRef ds:uri="http://schemas.openxmlformats.org/package/2006/metadata/core-properties"/>
+    <ds:schemaRef ds:uri="http://www.w3.org/XML/1998/namespace"/>
   </ds:schemaRefs>
 </ds:datastoreItem>
 </file>
--- a/src/poster.pptx
+++ b/src/poster.pptx
@@ -1182,14 +1182,13 @@
               <a:t>creëeren</a:t>
             </a:r>
             <a:r>
-              <a:rPr lang="nl-NL" sz="4000" i="0" dirty="0">
+              <a:rPr lang="nl-NL" sz="4000" dirty="0">
                 <a:solidFill>
                   <a:schemeClr val="accent3"/>
                 </a:solidFill>
-                <a:effectLst/>
                 <a:latin typeface="+mj-lt"/>
               </a:rPr>
-              <a:t>.</a:t>
+              <a:t>, wat gebruikt kan worden als leuke fotostand.</a:t>
             </a:r>
             <a:br>
               <a:rPr lang="nl-NL" sz="4000" i="0" dirty="0">
@@ -1240,6 +1239,15 @@
               <a:t> zorgen voor een ‘</a:t>
             </a:r>
             <a:r>
+              <a:rPr lang="nl-NL" sz="4000" dirty="0" err="1">
+                <a:solidFill>
+                  <a:schemeClr val="accent3"/>
+                </a:solidFill>
+                <a:latin typeface="+mj-lt"/>
+              </a:rPr>
+              <a:t>R</a:t>
+            </a:r>
+            <a:r>
               <a:rPr lang="nl-NL" sz="4000" i="0" dirty="0" err="1">
                 <a:solidFill>
                   <a:schemeClr val="accent3"/>
@@ -1247,27 +1255,7 @@
                 <a:effectLst/>
                 <a:latin typeface="+mj-lt"/>
               </a:rPr>
-              <a:t>raining</a:t>
-            </a:r>
-            <a:r>
-              <a:rPr lang="nl-NL" sz="4000" i="0" dirty="0">
-                <a:solidFill>
-                  <a:schemeClr val="accent3"/>
-                </a:solidFill>
-                <a:effectLst/>
-                <a:latin typeface="+mj-lt"/>
-              </a:rPr>
-              <a:t> </a:t>
-            </a:r>
-            <a:r>
-              <a:rPr lang="nl-NL" sz="4000" i="0" dirty="0" err="1">
-                <a:solidFill>
-                  <a:schemeClr val="accent3"/>
-                </a:solidFill>
-                <a:effectLst/>
-                <a:latin typeface="+mj-lt"/>
-              </a:rPr>
-              <a:t>LEDs</a:t>
+              <a:t>ainingLEDs</a:t>
             </a:r>
             <a:r>
               <a:rPr lang="nl-NL" sz="4000" i="0" dirty="0">
@@ -1329,7 +1317,7 @@
                 </a:solidFill>
                 <a:latin typeface="+mj-lt"/>
               </a:rPr>
-              <a:t> werd een ISP32 gebruikt en ook geprogrammeerd.</a:t>
+              <a:t> werd een ISP32, waarbij zowel hardware- als softwarekennis nodig waren.</a:t>
             </a:r>
             <a:br>
               <a:rPr lang="nl-NL" sz="4000" i="0" dirty="0">
@@ -1642,7 +1630,11 @@
             </a:r>
             <a:r>
               <a:rPr lang="nl-BE" sz="3000" dirty="0"/>
-              <a:t> jaar Network- &amp; Systemen </a:t>
+              <a:t> jaar Network- </a:t>
+            </a:r>
+            <a:r>
+              <a:rPr lang="nl-BE" sz="3000"/>
+              <a:t>&amp; System </a:t>
             </a:r>
             <a:r>
               <a:rPr lang="nl-BE" sz="3000" dirty="0" err="1"/>
@@ -2847,12 +2839,14 @@
 </file>
 
 <file path=customXml/item1.xml><?xml version="1.0" encoding="utf-8"?>
-<?mso-contentType ?>
-<FormTemplates xmlns="http://schemas.microsoft.com/sharepoint/v3/contenttype/forms">
-  <Display>DocumentLibraryForm</Display>
-  <Edit>DocumentLibraryForm</Edit>
-  <New>DocumentLibraryForm</New>
-</FormTemplates>
+<p:properties xmlns:p="http://schemas.microsoft.com/office/2006/metadata/properties" xmlns:xsi="http://www.w3.org/2001/XMLSchema-instance" xmlns:pc="http://schemas.microsoft.com/office/infopath/2007/PartnerControls">
+  <documentManagement>
+    <TaxCatchAll xmlns="f921bb7d-4033-42bd-968a-881fd459c073" xsi:nil="true"/>
+    <lcf76f155ced4ddcb4097134ff3c332f xmlns="7af3f08f-6b65-4c98-b033-853692dc00be">
+      <Terms xmlns="http://schemas.microsoft.com/office/infopath/2007/PartnerControls"/>
+    </lcf76f155ced4ddcb4097134ff3c332f>
+  </documentManagement>
+</p:properties>
 </file>
 
 <file path=customXml/item2.xml><?xml version="1.0" encoding="utf-8"?>
@@ -3063,20 +3057,27 @@
 </file>
 
 <file path=customXml/item3.xml><?xml version="1.0" encoding="utf-8"?>
-<p:properties xmlns:p="http://schemas.microsoft.com/office/2006/metadata/properties" xmlns:xsi="http://www.w3.org/2001/XMLSchema-instance" xmlns:pc="http://schemas.microsoft.com/office/infopath/2007/PartnerControls">
-  <documentManagement>
-    <TaxCatchAll xmlns="f921bb7d-4033-42bd-968a-881fd459c073" xsi:nil="true"/>
-    <lcf76f155ced4ddcb4097134ff3c332f xmlns="7af3f08f-6b65-4c98-b033-853692dc00be">
-      <Terms xmlns="http://schemas.microsoft.com/office/infopath/2007/PartnerControls"/>
-    </lcf76f155ced4ddcb4097134ff3c332f>
-  </documentManagement>
-</p:properties>
+<?mso-contentType ?>
+<FormTemplates xmlns="http://schemas.microsoft.com/sharepoint/v3/contenttype/forms">
+  <Display>DocumentLibraryForm</Display>
+  <Edit>DocumentLibraryForm</Edit>
+  <New>DocumentLibraryForm</New>
+</FormTemplates>
 </file>
 
 <file path=customXml/itemProps1.xml><?xml version="1.0" encoding="utf-8"?>
-<ds:datastoreItem xmlns:ds="http://schemas.openxmlformats.org/officeDocument/2006/customXml" ds:itemID="{E1FA04DA-A2C1-4A00-9FA4-1F6991DECE56}">
+<ds:datastoreItem xmlns:ds="http://schemas.openxmlformats.org/officeDocument/2006/customXml" ds:itemID="{B247EB90-66CA-4409-98FF-5024AA619E64}">
   <ds:schemaRefs>
-    <ds:schemaRef ds:uri="http://schemas.microsoft.com/sharepoint/v3/contenttype/forms"/>
+    <ds:schemaRef ds:uri="7af3f08f-6b65-4c98-b033-853692dc00be"/>
+    <ds:schemaRef ds:uri="f921bb7d-4033-42bd-968a-881fd459c073"/>
+    <ds:schemaRef ds:uri="http://purl.org/dc/dcmitype/"/>
+    <ds:schemaRef ds:uri="http://purl.org/dc/elements/1.1/"/>
+    <ds:schemaRef ds:uri="http://purl.org/dc/terms/"/>
+    <ds:schemaRef ds:uri="http://schemas.microsoft.com/office/2006/documentManagement/types"/>
+    <ds:schemaRef ds:uri="http://schemas.microsoft.com/office/2006/metadata/properties"/>
+    <ds:schemaRef ds:uri="http://schemas.microsoft.com/office/infopath/2007/PartnerControls"/>
+    <ds:schemaRef ds:uri="http://schemas.openxmlformats.org/package/2006/metadata/core-properties"/>
+    <ds:schemaRef ds:uri="http://www.w3.org/XML/1998/namespace"/>
   </ds:schemaRefs>
 </ds:datastoreItem>
 </file>
@@ -3101,18 +3102,9 @@
 </file>
 
 <file path=customXml/itemProps3.xml><?xml version="1.0" encoding="utf-8"?>
-<ds:datastoreItem xmlns:ds="http://schemas.openxmlformats.org/officeDocument/2006/customXml" ds:itemID="{B247EB90-66CA-4409-98FF-5024AA619E64}">
+<ds:datastoreItem xmlns:ds="http://schemas.openxmlformats.org/officeDocument/2006/customXml" ds:itemID="{E1FA04DA-A2C1-4A00-9FA4-1F6991DECE56}">
   <ds:schemaRefs>
-    <ds:schemaRef ds:uri="7af3f08f-6b65-4c98-b033-853692dc00be"/>
-    <ds:schemaRef ds:uri="f921bb7d-4033-42bd-968a-881fd459c073"/>
-    <ds:schemaRef ds:uri="http://purl.org/dc/dcmitype/"/>
-    <ds:schemaRef ds:uri="http://purl.org/dc/elements/1.1/"/>
-    <ds:schemaRef ds:uri="http://purl.org/dc/terms/"/>
-    <ds:schemaRef ds:uri="http://schemas.microsoft.com/office/2006/documentManagement/types"/>
-    <ds:schemaRef ds:uri="http://schemas.microsoft.com/office/2006/metadata/properties"/>
-    <ds:schemaRef ds:uri="http://schemas.microsoft.com/office/infopath/2007/PartnerControls"/>
-    <ds:schemaRef ds:uri="http://schemas.openxmlformats.org/package/2006/metadata/core-properties"/>
-    <ds:schemaRef ds:uri="http://www.w3.org/XML/1998/namespace"/>
+    <ds:schemaRef ds:uri="http://schemas.microsoft.com/sharepoint/v3/contenttype/forms"/>
   </ds:schemaRefs>
 </ds:datastoreItem>
 </file>
--- a/src/poster.pptx
+++ b/src/poster.pptx
@@ -1082,6 +1082,14 @@
               </a:rPr>
               <a:t>Experience</a:t>
             </a:r>
+            <a:r>
+              <a:rPr lang="nl-BE" sz="6000" dirty="0">
+                <a:solidFill>
+                  <a:srgbClr val="E00020"/>
+                </a:solidFill>
+              </a:rPr>
+              <a:t> </a:t>
+            </a:r>
             <a:br>
               <a:rPr lang="nl-BE" sz="6000" dirty="0">
                 <a:solidFill>
@@ -1169,17 +1177,7 @@
                 <a:effectLst/>
                 <a:latin typeface="+mj-lt"/>
               </a:rPr>
-              <a:t>" te </a:t>
-            </a:r>
-            <a:r>
-              <a:rPr lang="nl-NL" sz="4000" i="0" dirty="0" err="1">
-                <a:solidFill>
-                  <a:schemeClr val="accent3"/>
-                </a:solidFill>
-                <a:effectLst/>
-                <a:latin typeface="+mj-lt"/>
-              </a:rPr>
-              <a:t>creëeren</a:t>
+              <a:t>" te creëren</a:t>
             </a:r>
             <a:r>
               <a:rPr lang="nl-NL" sz="4000" dirty="0">
@@ -2839,14 +2837,12 @@
 </file>
 
 <file path=customXml/item1.xml><?xml version="1.0" encoding="utf-8"?>
-<p:properties xmlns:p="http://schemas.microsoft.com/office/2006/metadata/properties" xmlns:xsi="http://www.w3.org/2001/XMLSchema-instance" xmlns:pc="http://schemas.microsoft.com/office/infopath/2007/PartnerControls">
-  <documentManagement>
-    <TaxCatchAll xmlns="f921bb7d-4033-42bd-968a-881fd459c073" xsi:nil="true"/>
-    <lcf76f155ced4ddcb4097134ff3c332f xmlns="7af3f08f-6b65-4c98-b033-853692dc00be">
-      <Terms xmlns="http://schemas.microsoft.com/office/infopath/2007/PartnerControls"/>
-    </lcf76f155ced4ddcb4097134ff3c332f>
-  </documentManagement>
-</p:properties>
+<?mso-contentType ?>
+<FormTemplates xmlns="http://schemas.microsoft.com/sharepoint/v3/contenttype/forms">
+  <Display>DocumentLibraryForm</Display>
+  <Edit>DocumentLibraryForm</Edit>
+  <New>DocumentLibraryForm</New>
+</FormTemplates>
 </file>
 
 <file path=customXml/item2.xml><?xml version="1.0" encoding="utf-8"?>
@@ -3057,27 +3053,20 @@
 </file>
 
 <file path=customXml/item3.xml><?xml version="1.0" encoding="utf-8"?>
-<?mso-contentType ?>
-<FormTemplates xmlns="http://schemas.microsoft.com/sharepoint/v3/contenttype/forms">
-  <Display>DocumentLibraryForm</Display>
-  <Edit>DocumentLibraryForm</Edit>
-  <New>DocumentLibraryForm</New>
-</FormTemplates>
+<p:properties xmlns:p="http://schemas.microsoft.com/office/2006/metadata/properties" xmlns:xsi="http://www.w3.org/2001/XMLSchema-instance" xmlns:pc="http://schemas.microsoft.com/office/infopath/2007/PartnerControls">
+  <documentManagement>
+    <TaxCatchAll xmlns="f921bb7d-4033-42bd-968a-881fd459c073" xsi:nil="true"/>
+    <lcf76f155ced4ddcb4097134ff3c332f xmlns="7af3f08f-6b65-4c98-b033-853692dc00be">
+      <Terms xmlns="http://schemas.microsoft.com/office/infopath/2007/PartnerControls"/>
+    </lcf76f155ced4ddcb4097134ff3c332f>
+  </documentManagement>
+</p:properties>
 </file>
 
 <file path=customXml/itemProps1.xml><?xml version="1.0" encoding="utf-8"?>
-<ds:datastoreItem xmlns:ds="http://schemas.openxmlformats.org/officeDocument/2006/customXml" ds:itemID="{B247EB90-66CA-4409-98FF-5024AA619E64}">
+<ds:datastoreItem xmlns:ds="http://schemas.openxmlformats.org/officeDocument/2006/customXml" ds:itemID="{E1FA04DA-A2C1-4A00-9FA4-1F6991DECE56}">
   <ds:schemaRefs>
-    <ds:schemaRef ds:uri="7af3f08f-6b65-4c98-b033-853692dc00be"/>
-    <ds:schemaRef ds:uri="f921bb7d-4033-42bd-968a-881fd459c073"/>
-    <ds:schemaRef ds:uri="http://purl.org/dc/dcmitype/"/>
-    <ds:schemaRef ds:uri="http://purl.org/dc/elements/1.1/"/>
-    <ds:schemaRef ds:uri="http://purl.org/dc/terms/"/>
-    <ds:schemaRef ds:uri="http://schemas.microsoft.com/office/2006/documentManagement/types"/>
-    <ds:schemaRef ds:uri="http://schemas.microsoft.com/office/2006/metadata/properties"/>
-    <ds:schemaRef ds:uri="http://schemas.microsoft.com/office/infopath/2007/PartnerControls"/>
-    <ds:schemaRef ds:uri="http://schemas.openxmlformats.org/package/2006/metadata/core-properties"/>
-    <ds:schemaRef ds:uri="http://www.w3.org/XML/1998/namespace"/>
+    <ds:schemaRef ds:uri="http://schemas.microsoft.com/sharepoint/v3/contenttype/forms"/>
   </ds:schemaRefs>
 </ds:datastoreItem>
 </file>
@@ -3102,9 +3091,18 @@
 </file>
 
 <file path=customXml/itemProps3.xml><?xml version="1.0" encoding="utf-8"?>
-<ds:datastoreItem xmlns:ds="http://schemas.openxmlformats.org/officeDocument/2006/customXml" ds:itemID="{E1FA04DA-A2C1-4A00-9FA4-1F6991DECE56}">
+<ds:datastoreItem xmlns:ds="http://schemas.openxmlformats.org/officeDocument/2006/customXml" ds:itemID="{B247EB90-66CA-4409-98FF-5024AA619E64}">
   <ds:schemaRefs>
-    <ds:schemaRef ds:uri="http://schemas.microsoft.com/sharepoint/v3/contenttype/forms"/>
+    <ds:schemaRef ds:uri="7af3f08f-6b65-4c98-b033-853692dc00be"/>
+    <ds:schemaRef ds:uri="f921bb7d-4033-42bd-968a-881fd459c073"/>
+    <ds:schemaRef ds:uri="http://purl.org/dc/dcmitype/"/>
+    <ds:schemaRef ds:uri="http://purl.org/dc/elements/1.1/"/>
+    <ds:schemaRef ds:uri="http://purl.org/dc/terms/"/>
+    <ds:schemaRef ds:uri="http://schemas.microsoft.com/office/2006/documentManagement/types"/>
+    <ds:schemaRef ds:uri="http://schemas.microsoft.com/office/2006/metadata/properties"/>
+    <ds:schemaRef ds:uri="http://schemas.microsoft.com/office/infopath/2007/PartnerControls"/>
+    <ds:schemaRef ds:uri="http://schemas.openxmlformats.org/package/2006/metadata/core-properties"/>
+    <ds:schemaRef ds:uri="http://www.w3.org/XML/1998/namespace"/>
   </ds:schemaRefs>
 </ds:datastoreItem>
 </file>